--- a/Linux/Linux-CentOS/Module-6/Module-6.pptx
+++ b/Linux/Linux-CentOS/Module-6/Module-6.pptx
@@ -249,7 +249,7 @@
           <a:p>
             <a:fld id="{EAFFE7EF-378C-4F67-8739-CDC5C92C874B}" type="datetimeFigureOut">
               <a:rPr lang="en-US" smtClean="0"/>
-              <a:t>7/31/2020</a:t>
+              <a:t>8/26/2020</a:t>
             </a:fld>
             <a:endParaRPr lang="en-US"/>
           </a:p>
@@ -419,7 +419,7 @@
           <a:p>
             <a:fld id="{EAFFE7EF-378C-4F67-8739-CDC5C92C874B}" type="datetimeFigureOut">
               <a:rPr lang="en-US" smtClean="0"/>
-              <a:t>7/31/2020</a:t>
+              <a:t>8/26/2020</a:t>
             </a:fld>
             <a:endParaRPr lang="en-US"/>
           </a:p>
@@ -599,7 +599,7 @@
           <a:p>
             <a:fld id="{EAFFE7EF-378C-4F67-8739-CDC5C92C874B}" type="datetimeFigureOut">
               <a:rPr lang="en-US" smtClean="0"/>
-              <a:t>7/31/2020</a:t>
+              <a:t>8/26/2020</a:t>
             </a:fld>
             <a:endParaRPr lang="en-US"/>
           </a:p>
@@ -769,7 +769,7 @@
           <a:p>
             <a:fld id="{EAFFE7EF-378C-4F67-8739-CDC5C92C874B}" type="datetimeFigureOut">
               <a:rPr lang="en-US" smtClean="0"/>
-              <a:t>7/31/2020</a:t>
+              <a:t>8/26/2020</a:t>
             </a:fld>
             <a:endParaRPr lang="en-US"/>
           </a:p>
@@ -1015,7 +1015,7 @@
           <a:p>
             <a:fld id="{EAFFE7EF-378C-4F67-8739-CDC5C92C874B}" type="datetimeFigureOut">
               <a:rPr lang="en-US" smtClean="0"/>
-              <a:t>7/31/2020</a:t>
+              <a:t>8/26/2020</a:t>
             </a:fld>
             <a:endParaRPr lang="en-US"/>
           </a:p>
@@ -1247,7 +1247,7 @@
           <a:p>
             <a:fld id="{EAFFE7EF-378C-4F67-8739-CDC5C92C874B}" type="datetimeFigureOut">
               <a:rPr lang="en-US" smtClean="0"/>
-              <a:t>7/31/2020</a:t>
+              <a:t>8/26/2020</a:t>
             </a:fld>
             <a:endParaRPr lang="en-US"/>
           </a:p>
@@ -1614,7 +1614,7 @@
           <a:p>
             <a:fld id="{EAFFE7EF-378C-4F67-8739-CDC5C92C874B}" type="datetimeFigureOut">
               <a:rPr lang="en-US" smtClean="0"/>
-              <a:t>7/31/2020</a:t>
+              <a:t>8/26/2020</a:t>
             </a:fld>
             <a:endParaRPr lang="en-US"/>
           </a:p>
@@ -1732,7 +1732,7 @@
           <a:p>
             <a:fld id="{EAFFE7EF-378C-4F67-8739-CDC5C92C874B}" type="datetimeFigureOut">
               <a:rPr lang="en-US" smtClean="0"/>
-              <a:t>7/31/2020</a:t>
+              <a:t>8/26/2020</a:t>
             </a:fld>
             <a:endParaRPr lang="en-US"/>
           </a:p>
@@ -1827,7 +1827,7 @@
           <a:p>
             <a:fld id="{EAFFE7EF-378C-4F67-8739-CDC5C92C874B}" type="datetimeFigureOut">
               <a:rPr lang="en-US" smtClean="0"/>
-              <a:t>7/31/2020</a:t>
+              <a:t>8/26/2020</a:t>
             </a:fld>
             <a:endParaRPr lang="en-US"/>
           </a:p>
@@ -2104,7 +2104,7 @@
           <a:p>
             <a:fld id="{EAFFE7EF-378C-4F67-8739-CDC5C92C874B}" type="datetimeFigureOut">
               <a:rPr lang="en-US" smtClean="0"/>
-              <a:t>7/31/2020</a:t>
+              <a:t>8/26/2020</a:t>
             </a:fld>
             <a:endParaRPr lang="en-US"/>
           </a:p>
@@ -2357,7 +2357,7 @@
           <a:p>
             <a:fld id="{EAFFE7EF-378C-4F67-8739-CDC5C92C874B}" type="datetimeFigureOut">
               <a:rPr lang="en-US" smtClean="0"/>
-              <a:t>7/31/2020</a:t>
+              <a:t>8/26/2020</a:t>
             </a:fld>
             <a:endParaRPr lang="en-US"/>
           </a:p>
@@ -2570,7 +2570,7 @@
           <a:p>
             <a:fld id="{EAFFE7EF-378C-4F67-8739-CDC5C92C874B}" type="datetimeFigureOut">
               <a:rPr lang="en-US" smtClean="0"/>
-              <a:t>7/31/2020</a:t>
+              <a:t>8/26/2020</a:t>
             </a:fld>
             <a:endParaRPr lang="en-US"/>
           </a:p>
@@ -3425,7 +3425,6 @@
               <a:rPr lang="en-US" dirty="0"/>
               <a:t>, or other device that enables traffic to flow in and out of the network.</a:t>
             </a:r>
-            <a:endParaRPr lang="en-US" dirty="0"/>
           </a:p>
         </p:txBody>
       </p:sp>
@@ -3605,7 +3604,6 @@
               <a:rPr lang="en-US" dirty="0"/>
               <a:t> addresses to their customers.</a:t>
             </a:r>
-            <a:endParaRPr lang="en-US" dirty="0"/>
           </a:p>
         </p:txBody>
       </p:sp>
@@ -3848,11 +3846,7 @@
             </a:r>
             <a:r>
               <a:rPr lang="en-US" dirty="0" smtClean="0"/>
-              <a:t>/</a:t>
-            </a:r>
-            <a:r>
-              <a:rPr lang="en-US" dirty="0" err="1" smtClean="0"/>
-              <a:t>hots</a:t>
+              <a:t>/hosts</a:t>
             </a:r>
             <a:endParaRPr lang="en-US" dirty="0" smtClean="0"/>
           </a:p>
@@ -3874,16 +3868,9 @@
             </a:r>
             <a:r>
               <a:rPr lang="en-US" dirty="0" smtClean="0"/>
-              <a:t>/</a:t>
-            </a:r>
-            <a:r>
-              <a:rPr lang="en-US" dirty="0" err="1" smtClean="0"/>
-              <a:t>sysconfig</a:t>
-            </a:r>
-            <a:r>
-              <a:rPr lang="en-US" dirty="0" smtClean="0"/>
-              <a:t>/network</a:t>
-            </a:r>
+              <a:t>/hostname</a:t>
+            </a:r>
+            <a:endParaRPr lang="en-US" dirty="0" smtClean="0"/>
           </a:p>
           <a:p>
             <a:pPr marL="0" indent="0">
@@ -4052,10 +4039,9 @@
             <a:endParaRPr lang="en-US" dirty="0" smtClean="0"/>
           </a:p>
           <a:p>
-            <a:r>
-              <a:rPr lang="en-US" dirty="0" err="1" smtClean="0"/>
-              <a:t>Tcpdump</a:t>
-            </a:r>
+            <a:pPr marL="0" indent="0">
+              <a:buNone/>
+            </a:pPr>
             <a:endParaRPr lang="en-US" dirty="0" smtClean="0"/>
           </a:p>
           <a:p>
